--- a/Estructura Organizacional - P1.pptx
+++ b/Estructura Organizacional - P1.pptx
@@ -1139,14 +1139,14 @@
             <a:t>Jefe Proyecto (</a:t>
           </a:r>
           <a:r>
-            <a:rPr lang="es-PE" dirty="0" err="1">
+            <a:rPr lang="es-PE" dirty="0" err="1" smtClean="0">
               <a:latin typeface="Calibri" panose="020F0502020204030204" pitchFamily="34" charset="0"/>
               <a:cs typeface="Calibri" panose="020F0502020204030204" pitchFamily="34" charset="0"/>
             </a:rPr>
-            <a:t>Yackeline</a:t>
+            <a:t>Yacqueline</a:t>
           </a:r>
           <a:r>
-            <a:rPr lang="es-PE" dirty="0">
+            <a:rPr lang="es-PE" dirty="0" smtClean="0">
               <a:latin typeface="Calibri" panose="020F0502020204030204" pitchFamily="34" charset="0"/>
               <a:cs typeface="Calibri" panose="020F0502020204030204" pitchFamily="34" charset="0"/>
             </a:rPr>
@@ -1203,6 +1203,13 @@
         </dgm:presLayoutVars>
       </dgm:prSet>
       <dgm:spPr/>
+      <dgm:t>
+        <a:bodyPr/>
+        <a:lstStyle/>
+        <a:p>
+          <a:endParaRPr lang="es-ES"/>
+        </a:p>
+      </dgm:t>
     </dgm:pt>
     <dgm:pt modelId="{8CCBF018-DDBE-48EE-9973-378791E09758}" type="pres">
       <dgm:prSet presAssocID="{434CED22-4D56-4A5F-B57A-39CDCBF63324}" presName="hierRoot1" presStyleCnt="0">
@@ -1223,10 +1230,24 @@
         </dgm:presLayoutVars>
       </dgm:prSet>
       <dgm:spPr/>
+      <dgm:t>
+        <a:bodyPr/>
+        <a:lstStyle/>
+        <a:p>
+          <a:endParaRPr lang="es-ES"/>
+        </a:p>
+      </dgm:t>
     </dgm:pt>
     <dgm:pt modelId="{71BC082F-B545-48BB-A90F-F28AC6C8540B}" type="pres">
       <dgm:prSet presAssocID="{434CED22-4D56-4A5F-B57A-39CDCBF63324}" presName="rootConnector1" presStyleLbl="node1" presStyleIdx="0" presStyleCnt="0"/>
       <dgm:spPr/>
+      <dgm:t>
+        <a:bodyPr/>
+        <a:lstStyle/>
+        <a:p>
+          <a:endParaRPr lang="es-ES"/>
+        </a:p>
+      </dgm:t>
     </dgm:pt>
     <dgm:pt modelId="{56AEB15B-67A4-4337-BAAF-EE3C7BFB6346}" type="pres">
       <dgm:prSet presAssocID="{434CED22-4D56-4A5F-B57A-39CDCBF63324}" presName="hierChild2" presStyleCnt="0"/>
@@ -1235,6 +1256,13 @@
     <dgm:pt modelId="{65065096-A14B-4AC3-89A7-BD35DBE15C87}" type="pres">
       <dgm:prSet presAssocID="{1CF706EF-6FF8-4552-94D5-66BCE53EBF1A}" presName="Name37" presStyleLbl="parChTrans1D2" presStyleIdx="0" presStyleCnt="1"/>
       <dgm:spPr/>
+      <dgm:t>
+        <a:bodyPr/>
+        <a:lstStyle/>
+        <a:p>
+          <a:endParaRPr lang="es-ES"/>
+        </a:p>
+      </dgm:t>
     </dgm:pt>
     <dgm:pt modelId="{76CDA812-CB6D-4894-A023-C1D41E5CE0B5}" type="pres">
       <dgm:prSet presAssocID="{C859A2C9-1D3E-4814-82F6-B9BB1D399964}" presName="hierRoot2" presStyleCnt="0">
@@ -1255,10 +1283,24 @@
         </dgm:presLayoutVars>
       </dgm:prSet>
       <dgm:spPr/>
+      <dgm:t>
+        <a:bodyPr/>
+        <a:lstStyle/>
+        <a:p>
+          <a:endParaRPr lang="es-ES"/>
+        </a:p>
+      </dgm:t>
     </dgm:pt>
     <dgm:pt modelId="{DE539F92-A38F-4566-9476-3B51DFF02BB2}" type="pres">
       <dgm:prSet presAssocID="{C859A2C9-1D3E-4814-82F6-B9BB1D399964}" presName="rootConnector" presStyleLbl="node2" presStyleIdx="0" presStyleCnt="1"/>
       <dgm:spPr/>
+      <dgm:t>
+        <a:bodyPr/>
+        <a:lstStyle/>
+        <a:p>
+          <a:endParaRPr lang="es-ES"/>
+        </a:p>
+      </dgm:t>
     </dgm:pt>
     <dgm:pt modelId="{C7A9C840-8AFE-4F5B-90B7-FCFE2FD334A7}" type="pres">
       <dgm:prSet presAssocID="{C859A2C9-1D3E-4814-82F6-B9BB1D399964}" presName="hierChild4" presStyleCnt="0"/>
@@ -1267,6 +1309,13 @@
     <dgm:pt modelId="{21E07CC2-2920-4051-A5EC-FB1EC0F9D388}" type="pres">
       <dgm:prSet presAssocID="{6C03B6A7-E1AC-4D66-A2FF-61E218904452}" presName="Name37" presStyleLbl="parChTrans1D3" presStyleIdx="0" presStyleCnt="3"/>
       <dgm:spPr/>
+      <dgm:t>
+        <a:bodyPr/>
+        <a:lstStyle/>
+        <a:p>
+          <a:endParaRPr lang="es-ES"/>
+        </a:p>
+      </dgm:t>
     </dgm:pt>
     <dgm:pt modelId="{55337E26-264A-4665-8048-A308041426C3}" type="pres">
       <dgm:prSet presAssocID="{4B580D80-AB16-4E67-8558-10A9F3DD5F22}" presName="hierRoot2" presStyleCnt="0">
@@ -1287,10 +1336,24 @@
         </dgm:presLayoutVars>
       </dgm:prSet>
       <dgm:spPr/>
+      <dgm:t>
+        <a:bodyPr/>
+        <a:lstStyle/>
+        <a:p>
+          <a:endParaRPr lang="es-ES"/>
+        </a:p>
+      </dgm:t>
     </dgm:pt>
     <dgm:pt modelId="{1351FE19-389B-4557-B38E-54177A6E8153}" type="pres">
       <dgm:prSet presAssocID="{4B580D80-AB16-4E67-8558-10A9F3DD5F22}" presName="rootConnector" presStyleLbl="node3" presStyleIdx="0" presStyleCnt="2"/>
       <dgm:spPr/>
+      <dgm:t>
+        <a:bodyPr/>
+        <a:lstStyle/>
+        <a:p>
+          <a:endParaRPr lang="es-ES"/>
+        </a:p>
+      </dgm:t>
     </dgm:pt>
     <dgm:pt modelId="{3BD7816B-B276-49A1-85C7-180B00FC8694}" type="pres">
       <dgm:prSet presAssocID="{4B580D80-AB16-4E67-8558-10A9F3DD5F22}" presName="hierChild4" presStyleCnt="0"/>
@@ -1303,6 +1366,13 @@
     <dgm:pt modelId="{C8B46DAB-AAF5-4702-897D-D6E0CE5BF7A8}" type="pres">
       <dgm:prSet presAssocID="{7727FAFE-3100-4232-B50C-B4147BE72B85}" presName="Name37" presStyleLbl="parChTrans1D3" presStyleIdx="1" presStyleCnt="3"/>
       <dgm:spPr/>
+      <dgm:t>
+        <a:bodyPr/>
+        <a:lstStyle/>
+        <a:p>
+          <a:endParaRPr lang="es-ES"/>
+        </a:p>
+      </dgm:t>
     </dgm:pt>
     <dgm:pt modelId="{D7716B73-231B-47C6-A066-224447F9F58B}" type="pres">
       <dgm:prSet presAssocID="{44CDA0CF-BDEC-4CFC-9EDB-8E43CD14EFA0}" presName="hierRoot2" presStyleCnt="0">
@@ -1323,10 +1393,24 @@
         </dgm:presLayoutVars>
       </dgm:prSet>
       <dgm:spPr/>
+      <dgm:t>
+        <a:bodyPr/>
+        <a:lstStyle/>
+        <a:p>
+          <a:endParaRPr lang="es-ES"/>
+        </a:p>
+      </dgm:t>
     </dgm:pt>
     <dgm:pt modelId="{2F8FABE8-B2E2-4E38-AB72-2D62B5A5A10F}" type="pres">
       <dgm:prSet presAssocID="{44CDA0CF-BDEC-4CFC-9EDB-8E43CD14EFA0}" presName="rootConnector" presStyleLbl="node3" presStyleIdx="1" presStyleCnt="2"/>
       <dgm:spPr/>
+      <dgm:t>
+        <a:bodyPr/>
+        <a:lstStyle/>
+        <a:p>
+          <a:endParaRPr lang="es-ES"/>
+        </a:p>
+      </dgm:t>
     </dgm:pt>
     <dgm:pt modelId="{579CA001-D433-4F14-8AB1-0949D82D6CDA}" type="pres">
       <dgm:prSet presAssocID="{44CDA0CF-BDEC-4CFC-9EDB-8E43CD14EFA0}" presName="hierChild4" presStyleCnt="0"/>
@@ -1335,6 +1419,13 @@
     <dgm:pt modelId="{924710A8-E278-49F0-A0E6-ED588D992F05}" type="pres">
       <dgm:prSet presAssocID="{8825AB9F-B978-4EF9-9936-87F8DAD23602}" presName="Name37" presStyleLbl="parChTrans1D4" presStyleIdx="0" presStyleCnt="1"/>
       <dgm:spPr/>
+      <dgm:t>
+        <a:bodyPr/>
+        <a:lstStyle/>
+        <a:p>
+          <a:endParaRPr lang="es-ES"/>
+        </a:p>
+      </dgm:t>
     </dgm:pt>
     <dgm:pt modelId="{F8195F95-F9B8-4ADF-A891-83D2843D61D9}" type="pres">
       <dgm:prSet presAssocID="{7A3AA5FB-1085-49A7-B15C-22B37973B373}" presName="hierRoot2" presStyleCnt="0">
@@ -1355,10 +1446,24 @@
         </dgm:presLayoutVars>
       </dgm:prSet>
       <dgm:spPr/>
+      <dgm:t>
+        <a:bodyPr/>
+        <a:lstStyle/>
+        <a:p>
+          <a:endParaRPr lang="es-ES"/>
+        </a:p>
+      </dgm:t>
     </dgm:pt>
     <dgm:pt modelId="{D3954813-4E8B-4CDA-AA2A-DEF7F9E4C7EC}" type="pres">
       <dgm:prSet presAssocID="{7A3AA5FB-1085-49A7-B15C-22B37973B373}" presName="rootConnector" presStyleLbl="node4" presStyleIdx="0" presStyleCnt="1"/>
       <dgm:spPr/>
+      <dgm:t>
+        <a:bodyPr/>
+        <a:lstStyle/>
+        <a:p>
+          <a:endParaRPr lang="es-ES"/>
+        </a:p>
+      </dgm:t>
     </dgm:pt>
     <dgm:pt modelId="{068F9C36-AC67-4F46-B82E-CDDA3B718A57}" type="pres">
       <dgm:prSet presAssocID="{7A3AA5FB-1085-49A7-B15C-22B37973B373}" presName="hierChild4" presStyleCnt="0"/>
@@ -1379,6 +1484,13 @@
     <dgm:pt modelId="{7B627690-4B99-40DA-8415-76A251F5AEC3}" type="pres">
       <dgm:prSet presAssocID="{669DDE02-3A05-4B81-ADB9-8B35C21D96E9}" presName="Name111" presStyleLbl="parChTrans1D3" presStyleIdx="2" presStyleCnt="3"/>
       <dgm:spPr/>
+      <dgm:t>
+        <a:bodyPr/>
+        <a:lstStyle/>
+        <a:p>
+          <a:endParaRPr lang="es-ES"/>
+        </a:p>
+      </dgm:t>
     </dgm:pt>
     <dgm:pt modelId="{E0C4B27F-1333-4CE7-A6CE-AFDA4968AF27}" type="pres">
       <dgm:prSet presAssocID="{F771541E-A128-40B1-A98D-28B4804B9E8D}" presName="hierRoot3" presStyleCnt="0">
@@ -1399,10 +1511,24 @@
         </dgm:presLayoutVars>
       </dgm:prSet>
       <dgm:spPr/>
+      <dgm:t>
+        <a:bodyPr/>
+        <a:lstStyle/>
+        <a:p>
+          <a:endParaRPr lang="es-ES"/>
+        </a:p>
+      </dgm:t>
     </dgm:pt>
     <dgm:pt modelId="{06223041-30CB-4E2A-9657-71BC85420EED}" type="pres">
       <dgm:prSet presAssocID="{F771541E-A128-40B1-A98D-28B4804B9E8D}" presName="rootConnector3" presStyleLbl="asst2" presStyleIdx="0" presStyleCnt="1"/>
       <dgm:spPr/>
+      <dgm:t>
+        <a:bodyPr/>
+        <a:lstStyle/>
+        <a:p>
+          <a:endParaRPr lang="es-ES"/>
+        </a:p>
+      </dgm:t>
     </dgm:pt>
     <dgm:pt modelId="{2D0FBEBA-75B1-4D38-8E36-61CFBA781D0C}" type="pres">
       <dgm:prSet presAssocID="{F771541E-A128-40B1-A98D-28B4804B9E8D}" presName="hierChild6" presStyleCnt="0"/>
@@ -1418,30 +1544,30 @@
     </dgm:pt>
   </dgm:ptLst>
   <dgm:cxnLst>
+    <dgm:cxn modelId="{DE929630-C6A7-4888-BF33-904C47DDF78E}" type="presOf" srcId="{4B580D80-AB16-4E67-8558-10A9F3DD5F22}" destId="{AB9F07B7-2138-4E58-AF7F-3DCA3717A519}" srcOrd="0" destOrd="0" presId="urn:microsoft.com/office/officeart/2005/8/layout/orgChart1"/>
+    <dgm:cxn modelId="{EE4374FF-6D7A-49C5-9E1B-22A8982F1074}" srcId="{434CED22-4D56-4A5F-B57A-39CDCBF63324}" destId="{C859A2C9-1D3E-4814-82F6-B9BB1D399964}" srcOrd="0" destOrd="0" parTransId="{1CF706EF-6FF8-4552-94D5-66BCE53EBF1A}" sibTransId="{93C0C01E-AB3B-4A95-B7A4-57AD1FB1CA9E}"/>
+    <dgm:cxn modelId="{E3DC0329-EC6B-44D6-8BBC-B724E63E7F62}" type="presOf" srcId="{F771541E-A128-40B1-A98D-28B4804B9E8D}" destId="{D664EA9F-AB3B-40AC-A9FA-D7A7910C4C09}" srcOrd="0" destOrd="0" presId="urn:microsoft.com/office/officeart/2005/8/layout/orgChart1"/>
+    <dgm:cxn modelId="{143402A9-8C9A-4ED3-A5B9-2951A12AA359}" type="presOf" srcId="{C859A2C9-1D3E-4814-82F6-B9BB1D399964}" destId="{DE539F92-A38F-4566-9476-3B51DFF02BB2}" srcOrd="1" destOrd="0" presId="urn:microsoft.com/office/officeart/2005/8/layout/orgChart1"/>
+    <dgm:cxn modelId="{42592C83-2D2E-49EC-9409-11417F831884}" type="presOf" srcId="{8825AB9F-B978-4EF9-9936-87F8DAD23602}" destId="{924710A8-E278-49F0-A0E6-ED588D992F05}" srcOrd="0" destOrd="0" presId="urn:microsoft.com/office/officeart/2005/8/layout/orgChart1"/>
+    <dgm:cxn modelId="{7CC89CD1-39CA-4877-A78B-3B94F0F89752}" type="presOf" srcId="{7A3AA5FB-1085-49A7-B15C-22B37973B373}" destId="{D3954813-4E8B-4CDA-AA2A-DEF7F9E4C7EC}" srcOrd="1" destOrd="0" presId="urn:microsoft.com/office/officeart/2005/8/layout/orgChart1"/>
+    <dgm:cxn modelId="{1EF7E8CF-932D-47CA-946F-47F12AFF2BB7}" type="presOf" srcId="{F771541E-A128-40B1-A98D-28B4804B9E8D}" destId="{06223041-30CB-4E2A-9657-71BC85420EED}" srcOrd="1" destOrd="0" presId="urn:microsoft.com/office/officeart/2005/8/layout/orgChart1"/>
+    <dgm:cxn modelId="{409468CA-5C86-41C0-990C-1C97404BD2B6}" type="presOf" srcId="{434CED22-4D56-4A5F-B57A-39CDCBF63324}" destId="{2B6865D7-5BE8-4A66-89D3-9580F48C28BA}" srcOrd="0" destOrd="0" presId="urn:microsoft.com/office/officeart/2005/8/layout/orgChart1"/>
+    <dgm:cxn modelId="{5DBDCBF6-A2EB-4ABF-A687-C70EC8975143}" type="presOf" srcId="{434CED22-4D56-4A5F-B57A-39CDCBF63324}" destId="{71BC082F-B545-48BB-A90F-F28AC6C8540B}" srcOrd="1" destOrd="0" presId="urn:microsoft.com/office/officeart/2005/8/layout/orgChart1"/>
+    <dgm:cxn modelId="{46A44AF6-ECA1-4337-A8FE-E9120B170124}" type="presOf" srcId="{7A3AA5FB-1085-49A7-B15C-22B37973B373}" destId="{604563D0-46B9-42EF-9D97-997C7257C8DA}" srcOrd="0" destOrd="0" presId="urn:microsoft.com/office/officeart/2005/8/layout/orgChart1"/>
+    <dgm:cxn modelId="{0651EB36-0C50-4DE7-944E-66A6910329DC}" type="presOf" srcId="{7727FAFE-3100-4232-B50C-B4147BE72B85}" destId="{C8B46DAB-AAF5-4702-897D-D6E0CE5BF7A8}" srcOrd="0" destOrd="0" presId="urn:microsoft.com/office/officeart/2005/8/layout/orgChart1"/>
+    <dgm:cxn modelId="{9738F3B9-E449-419B-A87C-5DD18023B5B4}" type="presOf" srcId="{A6A3123D-4521-42A2-8EE2-61A73A7320A6}" destId="{32E513F1-02D3-4B19-88BA-A064A369F005}" srcOrd="0" destOrd="0" presId="urn:microsoft.com/office/officeart/2005/8/layout/orgChart1"/>
+    <dgm:cxn modelId="{F3224653-C387-4401-A235-7FBD782D6112}" srcId="{C859A2C9-1D3E-4814-82F6-B9BB1D399964}" destId="{44CDA0CF-BDEC-4CFC-9EDB-8E43CD14EFA0}" srcOrd="2" destOrd="0" parTransId="{7727FAFE-3100-4232-B50C-B4147BE72B85}" sibTransId="{D7F5C1E1-9E1F-49B3-BD42-38D9EBE7652A}"/>
+    <dgm:cxn modelId="{1A2C18CF-EF70-4488-9E2A-2C5E204CD57B}" type="presOf" srcId="{4B580D80-AB16-4E67-8558-10A9F3DD5F22}" destId="{1351FE19-389B-4557-B38E-54177A6E8153}" srcOrd="1" destOrd="0" presId="urn:microsoft.com/office/officeart/2005/8/layout/orgChart1"/>
+    <dgm:cxn modelId="{65819FA9-686A-41B4-9DD9-92E9622AAFB5}" srcId="{44CDA0CF-BDEC-4CFC-9EDB-8E43CD14EFA0}" destId="{7A3AA5FB-1085-49A7-B15C-22B37973B373}" srcOrd="0" destOrd="0" parTransId="{8825AB9F-B978-4EF9-9936-87F8DAD23602}" sibTransId="{A45EFC37-F4E4-46D1-8292-46E1406579AD}"/>
+    <dgm:cxn modelId="{AFE60236-62C2-476C-A52F-0C0B21799246}" type="presOf" srcId="{C859A2C9-1D3E-4814-82F6-B9BB1D399964}" destId="{D2B11F8C-9FFE-4DE4-A197-6E4723A1BE33}" srcOrd="0" destOrd="0" presId="urn:microsoft.com/office/officeart/2005/8/layout/orgChart1"/>
+    <dgm:cxn modelId="{45DDA166-BB5B-4E89-9AF5-8DCF582EB3BE}" type="presOf" srcId="{669DDE02-3A05-4B81-ADB9-8B35C21D96E9}" destId="{7B627690-4B99-40DA-8415-76A251F5AEC3}" srcOrd="0" destOrd="0" presId="urn:microsoft.com/office/officeart/2005/8/layout/orgChart1"/>
+    <dgm:cxn modelId="{2E2254C4-17C3-4DFF-A049-32BF41F992BB}" type="presOf" srcId="{1CF706EF-6FF8-4552-94D5-66BCE53EBF1A}" destId="{65065096-A14B-4AC3-89A7-BD35DBE15C87}" srcOrd="0" destOrd="0" presId="urn:microsoft.com/office/officeart/2005/8/layout/orgChart1"/>
+    <dgm:cxn modelId="{6D56938D-C2ED-4AA8-A5C1-6100A06A4161}" srcId="{C859A2C9-1D3E-4814-82F6-B9BB1D399964}" destId="{F771541E-A128-40B1-A98D-28B4804B9E8D}" srcOrd="0" destOrd="0" parTransId="{669DDE02-3A05-4B81-ADB9-8B35C21D96E9}" sibTransId="{441EF7DE-41D4-4380-A382-A3DAC630F488}"/>
+    <dgm:cxn modelId="{8DC8FFBE-3E0D-48D3-81C7-F21F2A8F65B2}" type="presOf" srcId="{44CDA0CF-BDEC-4CFC-9EDB-8E43CD14EFA0}" destId="{47A4097B-9449-4CFE-A6BE-3298CC4B06C2}" srcOrd="0" destOrd="0" presId="urn:microsoft.com/office/officeart/2005/8/layout/orgChart1"/>
     <dgm:cxn modelId="{00CAE224-F7D5-461F-A612-A33CD8C5DAE6}" type="presOf" srcId="{6C03B6A7-E1AC-4D66-A2FF-61E218904452}" destId="{21E07CC2-2920-4051-A5EC-FB1EC0F9D388}" srcOrd="0" destOrd="0" presId="urn:microsoft.com/office/officeart/2005/8/layout/orgChart1"/>
-    <dgm:cxn modelId="{E3DC0329-EC6B-44D6-8BBC-B724E63E7F62}" type="presOf" srcId="{F771541E-A128-40B1-A98D-28B4804B9E8D}" destId="{D664EA9F-AB3B-40AC-A9FA-D7A7910C4C09}" srcOrd="0" destOrd="0" presId="urn:microsoft.com/office/officeart/2005/8/layout/orgChart1"/>
-    <dgm:cxn modelId="{DE929630-C6A7-4888-BF33-904C47DDF78E}" type="presOf" srcId="{4B580D80-AB16-4E67-8558-10A9F3DD5F22}" destId="{AB9F07B7-2138-4E58-AF7F-3DCA3717A519}" srcOrd="0" destOrd="0" presId="urn:microsoft.com/office/officeart/2005/8/layout/orgChart1"/>
     <dgm:cxn modelId="{4723C435-7167-4A5F-A82A-A4C806A18B96}" type="presOf" srcId="{44CDA0CF-BDEC-4CFC-9EDB-8E43CD14EFA0}" destId="{2F8FABE8-B2E2-4E38-AB72-2D62B5A5A10F}" srcOrd="1" destOrd="0" presId="urn:microsoft.com/office/officeart/2005/8/layout/orgChart1"/>
-    <dgm:cxn modelId="{AFE60236-62C2-476C-A52F-0C0B21799246}" type="presOf" srcId="{C859A2C9-1D3E-4814-82F6-B9BB1D399964}" destId="{D2B11F8C-9FFE-4DE4-A197-6E4723A1BE33}" srcOrd="0" destOrd="0" presId="urn:microsoft.com/office/officeart/2005/8/layout/orgChart1"/>
-    <dgm:cxn modelId="{0651EB36-0C50-4DE7-944E-66A6910329DC}" type="presOf" srcId="{7727FAFE-3100-4232-B50C-B4147BE72B85}" destId="{C8B46DAB-AAF5-4702-897D-D6E0CE5BF7A8}" srcOrd="0" destOrd="0" presId="urn:microsoft.com/office/officeart/2005/8/layout/orgChart1"/>
-    <dgm:cxn modelId="{45DDA166-BB5B-4E89-9AF5-8DCF582EB3BE}" type="presOf" srcId="{669DDE02-3A05-4B81-ADB9-8B35C21D96E9}" destId="{7B627690-4B99-40DA-8415-76A251F5AEC3}" srcOrd="0" destOrd="0" presId="urn:microsoft.com/office/officeart/2005/8/layout/orgChart1"/>
-    <dgm:cxn modelId="{F3224653-C387-4401-A235-7FBD782D6112}" srcId="{C859A2C9-1D3E-4814-82F6-B9BB1D399964}" destId="{44CDA0CF-BDEC-4CFC-9EDB-8E43CD14EFA0}" srcOrd="2" destOrd="0" parTransId="{7727FAFE-3100-4232-B50C-B4147BE72B85}" sibTransId="{D7F5C1E1-9E1F-49B3-BD42-38D9EBE7652A}"/>
-    <dgm:cxn modelId="{42592C83-2D2E-49EC-9409-11417F831884}" type="presOf" srcId="{8825AB9F-B978-4EF9-9936-87F8DAD23602}" destId="{924710A8-E278-49F0-A0E6-ED588D992F05}" srcOrd="0" destOrd="0" presId="urn:microsoft.com/office/officeart/2005/8/layout/orgChart1"/>
-    <dgm:cxn modelId="{6D56938D-C2ED-4AA8-A5C1-6100A06A4161}" srcId="{C859A2C9-1D3E-4814-82F6-B9BB1D399964}" destId="{F771541E-A128-40B1-A98D-28B4804B9E8D}" srcOrd="0" destOrd="0" parTransId="{669DDE02-3A05-4B81-ADB9-8B35C21D96E9}" sibTransId="{441EF7DE-41D4-4380-A382-A3DAC630F488}"/>
-    <dgm:cxn modelId="{143402A9-8C9A-4ED3-A5B9-2951A12AA359}" type="presOf" srcId="{C859A2C9-1D3E-4814-82F6-B9BB1D399964}" destId="{DE539F92-A38F-4566-9476-3B51DFF02BB2}" srcOrd="1" destOrd="0" presId="urn:microsoft.com/office/officeart/2005/8/layout/orgChart1"/>
-    <dgm:cxn modelId="{65819FA9-686A-41B4-9DD9-92E9622AAFB5}" srcId="{44CDA0CF-BDEC-4CFC-9EDB-8E43CD14EFA0}" destId="{7A3AA5FB-1085-49A7-B15C-22B37973B373}" srcOrd="0" destOrd="0" parTransId="{8825AB9F-B978-4EF9-9936-87F8DAD23602}" sibTransId="{A45EFC37-F4E4-46D1-8292-46E1406579AD}"/>
-    <dgm:cxn modelId="{9738F3B9-E449-419B-A87C-5DD18023B5B4}" type="presOf" srcId="{A6A3123D-4521-42A2-8EE2-61A73A7320A6}" destId="{32E513F1-02D3-4B19-88BA-A064A369F005}" srcOrd="0" destOrd="0" presId="urn:microsoft.com/office/officeart/2005/8/layout/orgChart1"/>
-    <dgm:cxn modelId="{8DC8FFBE-3E0D-48D3-81C7-F21F2A8F65B2}" type="presOf" srcId="{44CDA0CF-BDEC-4CFC-9EDB-8E43CD14EFA0}" destId="{47A4097B-9449-4CFE-A6BE-3298CC4B06C2}" srcOrd="0" destOrd="0" presId="urn:microsoft.com/office/officeart/2005/8/layout/orgChart1"/>
-    <dgm:cxn modelId="{2E2254C4-17C3-4DFF-A049-32BF41F992BB}" type="presOf" srcId="{1CF706EF-6FF8-4552-94D5-66BCE53EBF1A}" destId="{65065096-A14B-4AC3-89A7-BD35DBE15C87}" srcOrd="0" destOrd="0" presId="urn:microsoft.com/office/officeart/2005/8/layout/orgChart1"/>
-    <dgm:cxn modelId="{409468CA-5C86-41C0-990C-1C97404BD2B6}" type="presOf" srcId="{434CED22-4D56-4A5F-B57A-39CDCBF63324}" destId="{2B6865D7-5BE8-4A66-89D3-9580F48C28BA}" srcOrd="0" destOrd="0" presId="urn:microsoft.com/office/officeart/2005/8/layout/orgChart1"/>
-    <dgm:cxn modelId="{1A2C18CF-EF70-4488-9E2A-2C5E204CD57B}" type="presOf" srcId="{4B580D80-AB16-4E67-8558-10A9F3DD5F22}" destId="{1351FE19-389B-4557-B38E-54177A6E8153}" srcOrd="1" destOrd="0" presId="urn:microsoft.com/office/officeart/2005/8/layout/orgChart1"/>
-    <dgm:cxn modelId="{1EF7E8CF-932D-47CA-946F-47F12AFF2BB7}" type="presOf" srcId="{F771541E-A128-40B1-A98D-28B4804B9E8D}" destId="{06223041-30CB-4E2A-9657-71BC85420EED}" srcOrd="1" destOrd="0" presId="urn:microsoft.com/office/officeart/2005/8/layout/orgChart1"/>
-    <dgm:cxn modelId="{7CC89CD1-39CA-4877-A78B-3B94F0F89752}" type="presOf" srcId="{7A3AA5FB-1085-49A7-B15C-22B37973B373}" destId="{D3954813-4E8B-4CDA-AA2A-DEF7F9E4C7EC}" srcOrd="1" destOrd="0" presId="urn:microsoft.com/office/officeart/2005/8/layout/orgChart1"/>
+    <dgm:cxn modelId="{287647E8-9D82-460B-9A70-611311807AFA}" srcId="{C859A2C9-1D3E-4814-82F6-B9BB1D399964}" destId="{4B580D80-AB16-4E67-8558-10A9F3DD5F22}" srcOrd="1" destOrd="0" parTransId="{6C03B6A7-E1AC-4D66-A2FF-61E218904452}" sibTransId="{425BDF33-B0F1-4C6B-8ED7-12C0C41E3C32}"/>
     <dgm:cxn modelId="{68A0A2DD-D6EA-4FE0-9A1A-E5EAB2150DAE}" srcId="{A6A3123D-4521-42A2-8EE2-61A73A7320A6}" destId="{434CED22-4D56-4A5F-B57A-39CDCBF63324}" srcOrd="0" destOrd="0" parTransId="{80D29A85-F7DB-412F-BCA6-632CB8531A49}" sibTransId="{5BB78482-0C6B-419E-B3B7-A35EA8F10F2C}"/>
-    <dgm:cxn modelId="{287647E8-9D82-460B-9A70-611311807AFA}" srcId="{C859A2C9-1D3E-4814-82F6-B9BB1D399964}" destId="{4B580D80-AB16-4E67-8558-10A9F3DD5F22}" srcOrd="1" destOrd="0" parTransId="{6C03B6A7-E1AC-4D66-A2FF-61E218904452}" sibTransId="{425BDF33-B0F1-4C6B-8ED7-12C0C41E3C32}"/>
-    <dgm:cxn modelId="{46A44AF6-ECA1-4337-A8FE-E9120B170124}" type="presOf" srcId="{7A3AA5FB-1085-49A7-B15C-22B37973B373}" destId="{604563D0-46B9-42EF-9D97-997C7257C8DA}" srcOrd="0" destOrd="0" presId="urn:microsoft.com/office/officeart/2005/8/layout/orgChart1"/>
-    <dgm:cxn modelId="{5DBDCBF6-A2EB-4ABF-A687-C70EC8975143}" type="presOf" srcId="{434CED22-4D56-4A5F-B57A-39CDCBF63324}" destId="{71BC082F-B545-48BB-A90F-F28AC6C8540B}" srcOrd="1" destOrd="0" presId="urn:microsoft.com/office/officeart/2005/8/layout/orgChart1"/>
-    <dgm:cxn modelId="{EE4374FF-6D7A-49C5-9E1B-22A8982F1074}" srcId="{434CED22-4D56-4A5F-B57A-39CDCBF63324}" destId="{C859A2C9-1D3E-4814-82F6-B9BB1D399964}" srcOrd="0" destOrd="0" parTransId="{1CF706EF-6FF8-4552-94D5-66BCE53EBF1A}" sibTransId="{93C0C01E-AB3B-4A95-B7A4-57AD1FB1CA9E}"/>
     <dgm:cxn modelId="{D64D979C-08D8-4147-9992-B7C797A975E3}" type="presParOf" srcId="{32E513F1-02D3-4B19-88BA-A064A369F005}" destId="{8CCBF018-DDBE-48EE-9973-378791E09758}" srcOrd="0" destOrd="0" presId="urn:microsoft.com/office/officeart/2005/8/layout/orgChart1"/>
     <dgm:cxn modelId="{54A49C5E-92C9-4888-871C-BA9F08E75885}" type="presParOf" srcId="{8CCBF018-DDBE-48EE-9973-378791E09758}" destId="{388DCF55-7FCA-4DC1-8CF3-16A9F2F6358D}" srcOrd="0" destOrd="0" presId="urn:microsoft.com/office/officeart/2005/8/layout/orgChart1"/>
     <dgm:cxn modelId="{27750564-ECA1-4163-945C-DDED96136AE7}" type="presParOf" srcId="{388DCF55-7FCA-4DC1-8CF3-16A9F2F6358D}" destId="{2B6865D7-5BE8-4A66-89D3-9580F48C28BA}" srcOrd="0" destOrd="0" presId="urn:microsoft.com/office/officeart/2005/8/layout/orgChart1"/>
@@ -1849,7 +1975,7 @@
         </a:bodyPr>
         <a:lstStyle/>
         <a:p>
-          <a:pPr marL="0" lvl="0" indent="0" algn="ctr" defTabSz="800100">
+          <a:pPr lvl="0" algn="ctr" defTabSz="800100">
             <a:lnSpc>
               <a:spcPct val="90000"/>
             </a:lnSpc>
@@ -1859,7 +1985,6 @@
             <a:spcAft>
               <a:spcPct val="35000"/>
             </a:spcAft>
-            <a:buNone/>
           </a:pPr>
           <a:r>
             <a:rPr lang="es-PE" sz="1800" kern="1200" dirty="0">
@@ -1929,7 +2054,7 @@
         </a:bodyPr>
         <a:lstStyle/>
         <a:p>
-          <a:pPr marL="0" lvl="0" indent="0" algn="ctr" defTabSz="800100">
+          <a:pPr lvl="0" algn="ctr" defTabSz="800100">
             <a:lnSpc>
               <a:spcPct val="90000"/>
             </a:lnSpc>
@@ -1939,7 +2064,6 @@
             <a:spcAft>
               <a:spcPct val="35000"/>
             </a:spcAft>
-            <a:buNone/>
           </a:pPr>
           <a:r>
             <a:rPr lang="es-PE" sz="1800" kern="1200" dirty="0">
@@ -1949,14 +2073,14 @@
             <a:t>Jefe Proyecto (</a:t>
           </a:r>
           <a:r>
-            <a:rPr lang="es-PE" sz="1800" kern="1200" dirty="0" err="1">
+            <a:rPr lang="es-PE" sz="1800" kern="1200" dirty="0" err="1" smtClean="0">
               <a:latin typeface="Calibri" panose="020F0502020204030204" pitchFamily="34" charset="0"/>
               <a:cs typeface="Calibri" panose="020F0502020204030204" pitchFamily="34" charset="0"/>
             </a:rPr>
-            <a:t>Yackeline</a:t>
+            <a:t>Yacqueline</a:t>
           </a:r>
           <a:r>
-            <a:rPr lang="es-PE" sz="1800" kern="1200" dirty="0">
+            <a:rPr lang="es-PE" sz="1800" kern="1200" dirty="0" smtClean="0">
               <a:latin typeface="Calibri" panose="020F0502020204030204" pitchFamily="34" charset="0"/>
               <a:cs typeface="Calibri" panose="020F0502020204030204" pitchFamily="34" charset="0"/>
             </a:rPr>
@@ -2037,7 +2161,7 @@
         </a:bodyPr>
         <a:lstStyle/>
         <a:p>
-          <a:pPr marL="0" lvl="0" indent="0" algn="ctr" defTabSz="800100">
+          <a:pPr lvl="0" algn="ctr" defTabSz="800100">
             <a:lnSpc>
               <a:spcPct val="90000"/>
             </a:lnSpc>
@@ -2047,7 +2171,6 @@
             <a:spcAft>
               <a:spcPct val="35000"/>
             </a:spcAft>
-            <a:buNone/>
           </a:pPr>
           <a:r>
             <a:rPr lang="es-PE" sz="1800" kern="1200" dirty="0">
@@ -2117,7 +2240,7 @@
         </a:bodyPr>
         <a:lstStyle/>
         <a:p>
-          <a:pPr marL="0" lvl="0" indent="0" algn="ctr" defTabSz="800100">
+          <a:pPr lvl="0" algn="ctr" defTabSz="800100">
             <a:lnSpc>
               <a:spcPct val="90000"/>
             </a:lnSpc>
@@ -2127,7 +2250,6 @@
             <a:spcAft>
               <a:spcPct val="35000"/>
             </a:spcAft>
-            <a:buNone/>
           </a:pPr>
           <a:r>
             <a:rPr lang="es-PE" sz="1800" kern="1200" dirty="0">
@@ -2138,7 +2260,7 @@
           </a:r>
         </a:p>
         <a:p>
-          <a:pPr marL="0" lvl="0" indent="0" algn="ctr" defTabSz="800100">
+          <a:pPr lvl="0" algn="ctr" defTabSz="800100">
             <a:lnSpc>
               <a:spcPct val="90000"/>
             </a:lnSpc>
@@ -2148,7 +2270,6 @@
             <a:spcAft>
               <a:spcPct val="35000"/>
             </a:spcAft>
-            <a:buNone/>
           </a:pPr>
           <a:r>
             <a:rPr lang="es-PE" sz="1800" kern="1200" dirty="0">
@@ -2218,7 +2339,7 @@
         </a:bodyPr>
         <a:lstStyle/>
         <a:p>
-          <a:pPr marL="0" lvl="0" indent="0" algn="ctr" defTabSz="800100">
+          <a:pPr lvl="0" algn="ctr" defTabSz="800100">
             <a:lnSpc>
               <a:spcPct val="90000"/>
             </a:lnSpc>
@@ -2228,7 +2349,6 @@
             <a:spcAft>
               <a:spcPct val="35000"/>
             </a:spcAft>
-            <a:buNone/>
           </a:pPr>
           <a:r>
             <a:rPr lang="es-PE" sz="1800" kern="1200" dirty="0">
@@ -2298,7 +2418,7 @@
         </a:bodyPr>
         <a:lstStyle/>
         <a:p>
-          <a:pPr marL="0" lvl="0" indent="0" algn="ctr" defTabSz="800100">
+          <a:pPr lvl="0" algn="ctr" defTabSz="800100">
             <a:lnSpc>
               <a:spcPct val="90000"/>
             </a:lnSpc>
@@ -2308,7 +2428,6 @@
             <a:spcAft>
               <a:spcPct val="35000"/>
             </a:spcAft>
-            <a:buNone/>
           </a:pPr>
           <a:r>
             <a:rPr lang="es-PE" sz="1800" kern="1200" dirty="0">
@@ -4690,7 +4809,7 @@
             <a:fld id="{07753D19-ADF8-4D4A-B9A7-166986CAD2C0}" type="datetimeFigureOut">
               <a:rPr lang="es-PE" smtClean="0"/>
               <a:pPr/>
-              <a:t>02/05/2018</a:t>
+              <a:t>2/05/2018</a:t>
             </a:fld>
             <a:endParaRPr lang="es-PE"/>
           </a:p>
@@ -4857,7 +4976,7 @@
             <a:fld id="{07753D19-ADF8-4D4A-B9A7-166986CAD2C0}" type="datetimeFigureOut">
               <a:rPr lang="es-PE" smtClean="0"/>
               <a:pPr/>
-              <a:t>02/05/2018</a:t>
+              <a:t>2/05/2018</a:t>
             </a:fld>
             <a:endParaRPr lang="es-PE"/>
           </a:p>
@@ -5034,7 +5153,7 @@
             <a:fld id="{07753D19-ADF8-4D4A-B9A7-166986CAD2C0}" type="datetimeFigureOut">
               <a:rPr lang="es-PE" smtClean="0"/>
               <a:pPr/>
-              <a:t>02/05/2018</a:t>
+              <a:t>2/05/2018</a:t>
             </a:fld>
             <a:endParaRPr lang="es-PE"/>
           </a:p>
@@ -5201,7 +5320,7 @@
             <a:fld id="{07753D19-ADF8-4D4A-B9A7-166986CAD2C0}" type="datetimeFigureOut">
               <a:rPr lang="es-PE" smtClean="0"/>
               <a:pPr/>
-              <a:t>02/05/2018</a:t>
+              <a:t>2/05/2018</a:t>
             </a:fld>
             <a:endParaRPr lang="es-PE"/>
           </a:p>
@@ -5444,7 +5563,7 @@
             <a:fld id="{07753D19-ADF8-4D4A-B9A7-166986CAD2C0}" type="datetimeFigureOut">
               <a:rPr lang="es-PE" smtClean="0"/>
               <a:pPr/>
-              <a:t>02/05/2018</a:t>
+              <a:t>2/05/2018</a:t>
             </a:fld>
             <a:endParaRPr lang="es-PE"/>
           </a:p>
@@ -5729,7 +5848,7 @@
             <a:fld id="{07753D19-ADF8-4D4A-B9A7-166986CAD2C0}" type="datetimeFigureOut">
               <a:rPr lang="es-PE" smtClean="0"/>
               <a:pPr/>
-              <a:t>02/05/2018</a:t>
+              <a:t>2/05/2018</a:t>
             </a:fld>
             <a:endParaRPr lang="es-PE"/>
           </a:p>
@@ -6148,7 +6267,7 @@
             <a:fld id="{07753D19-ADF8-4D4A-B9A7-166986CAD2C0}" type="datetimeFigureOut">
               <a:rPr lang="es-PE" smtClean="0"/>
               <a:pPr/>
-              <a:t>02/05/2018</a:t>
+              <a:t>2/05/2018</a:t>
             </a:fld>
             <a:endParaRPr lang="es-PE"/>
           </a:p>
@@ -6263,7 +6382,7 @@
             <a:fld id="{07753D19-ADF8-4D4A-B9A7-166986CAD2C0}" type="datetimeFigureOut">
               <a:rPr lang="es-PE" smtClean="0"/>
               <a:pPr/>
-              <a:t>02/05/2018</a:t>
+              <a:t>2/05/2018</a:t>
             </a:fld>
             <a:endParaRPr lang="es-PE"/>
           </a:p>
@@ -6355,7 +6474,7 @@
             <a:fld id="{07753D19-ADF8-4D4A-B9A7-166986CAD2C0}" type="datetimeFigureOut">
               <a:rPr lang="es-PE" smtClean="0"/>
               <a:pPr/>
-              <a:t>02/05/2018</a:t>
+              <a:t>2/05/2018</a:t>
             </a:fld>
             <a:endParaRPr lang="es-PE"/>
           </a:p>
@@ -6629,7 +6748,7 @@
             <a:fld id="{07753D19-ADF8-4D4A-B9A7-166986CAD2C0}" type="datetimeFigureOut">
               <a:rPr lang="es-PE" smtClean="0"/>
               <a:pPr/>
-              <a:t>02/05/2018</a:t>
+              <a:t>2/05/2018</a:t>
             </a:fld>
             <a:endParaRPr lang="es-PE"/>
           </a:p>
@@ -6879,7 +6998,7 @@
             <a:fld id="{07753D19-ADF8-4D4A-B9A7-166986CAD2C0}" type="datetimeFigureOut">
               <a:rPr lang="es-PE" smtClean="0"/>
               <a:pPr/>
-              <a:t>02/05/2018</a:t>
+              <a:t>2/05/2018</a:t>
             </a:fld>
             <a:endParaRPr lang="es-PE"/>
           </a:p>
@@ -7089,7 +7208,7 @@
             <a:fld id="{07753D19-ADF8-4D4A-B9A7-166986CAD2C0}" type="datetimeFigureOut">
               <a:rPr lang="es-PE" smtClean="0"/>
               <a:pPr/>
-              <a:t>02/05/2018</a:t>
+              <a:t>2/05/2018</a:t>
             </a:fld>
             <a:endParaRPr lang="es-PE"/>
           </a:p>
@@ -7464,7 +7583,13 @@
         <p:nvGraphicFramePr>
           <p:cNvPr id="4" name="3 Diagrama"/>
           <p:cNvGraphicFramePr/>
-          <p:nvPr/>
+          <p:nvPr>
+            <p:extLst>
+              <p:ext uri="{D42A27DB-BD31-4B8C-83A1-F6EECF244321}">
+                <p14:modId xmlns:p14="http://schemas.microsoft.com/office/powerpoint/2010/main" val="2262007984"/>
+              </p:ext>
+            </p:extLst>
+          </p:nvPr>
         </p:nvGraphicFramePr>
         <p:xfrm>
           <a:off x="857224" y="444500"/>
@@ -7543,14 +7668,14 @@
           <p:nvPr>
             <p:extLst>
               <p:ext uri="{D42A27DB-BD31-4B8C-83A1-F6EECF244321}">
-                <p14:modId xmlns:p14="http://schemas.microsoft.com/office/powerpoint/2010/main" val="1224812519"/>
+                <p14:modId xmlns:p14="http://schemas.microsoft.com/office/powerpoint/2010/main" val="3488624898"/>
               </p:ext>
             </p:extLst>
           </p:nvPr>
         </p:nvGraphicFramePr>
         <p:xfrm>
           <a:off x="357157" y="260648"/>
-          <a:ext cx="8535323" cy="6503573"/>
+          <a:ext cx="8535323" cy="5904656"/>
         </p:xfrm>
         <a:graphic>
           <a:graphicData uri="http://schemas.openxmlformats.org/drawingml/2006/table">
@@ -7912,7 +8037,7 @@
                   </a:ext>
                 </a:extLst>
               </a:tr>
-              <a:tr h="1179570">
+              <a:tr h="1096180">
                 <a:tc>
                   <a:txBody>
                     <a:bodyPr/>
@@ -8443,27 +8568,8 @@
                           <a:ea typeface="Times New Roman"/>
                           <a:cs typeface="+mn-cs"/>
                         </a:rPr>
-                        <a:t>-Elaborar </a:t>
+                        <a:t>-Elaborar los MPN</a:t>
                       </a:r>
-                      <a:r>
-                        <a:rPr lang="es-PE" sz="800" kern="1200">
-                          <a:solidFill>
-                            <a:schemeClr val="tx1"/>
-                          </a:solidFill>
-                          <a:latin typeface="Arial"/>
-                          <a:ea typeface="Times New Roman"/>
-                          <a:cs typeface="+mn-cs"/>
-                        </a:rPr>
-                        <a:t>los MPN</a:t>
-                      </a:r>
-                      <a:endParaRPr lang="es-PE" sz="800" kern="1200" dirty="0">
-                        <a:solidFill>
-                          <a:schemeClr val="tx1"/>
-                        </a:solidFill>
-                        <a:latin typeface="Arial"/>
-                        <a:ea typeface="Times New Roman"/>
-                        <a:cs typeface="+mn-cs"/>
-                      </a:endParaRPr>
                     </a:p>
                     <a:p>
                       <a:pPr marL="0" algn="just" defTabSz="914400" rtl="0" eaLnBrk="1" fontAlgn="auto" latinLnBrk="0" hangingPunct="1">
@@ -8713,7 +8819,7 @@
                   </a:ext>
                 </a:extLst>
               </a:tr>
-              <a:tr h="2654033">
+              <a:tr h="2138506">
                 <a:tc>
                   <a:txBody>
                     <a:bodyPr/>
@@ -8846,55 +8952,55 @@
                     <a:bodyPr/>
                     <a:lstStyle/>
                     <a:p>
-                      <a:pPr algn="just" fontAlgn="auto" hangingPunct="1">
+                      <a:pPr marL="0" marR="0" indent="0" algn="just" defTabSz="914400" rtl="0" eaLnBrk="1" fontAlgn="auto" latinLnBrk="0" hangingPunct="1">
+                        <a:lnSpc>
+                          <a:spcPct val="100000"/>
+                        </a:lnSpc>
+                        <a:spcBef>
+                          <a:spcPts val="0"/>
+                        </a:spcBef>
                         <a:spcAft>
                           <a:spcPts val="0"/>
                         </a:spcAft>
+                        <a:buClrTx/>
+                        <a:buSzTx/>
+                        <a:buFontTx/>
+                        <a:buNone/>
+                        <a:tabLst/>
+                        <a:defRPr/>
                       </a:pPr>
                       <a:r>
-                        <a:rPr lang="es-PE" sz="800" dirty="0">
+                        <a:rPr lang="es-PE" sz="800" dirty="0" smtClean="0"/>
+                        <a:t>-</a:t>
+                      </a:r>
+                      <a:r>
+                        <a:rPr lang="es-PE" sz="800" dirty="0" smtClean="0">
                           <a:latin typeface="Times New Roman"/>
                           <a:ea typeface="Times New Roman"/>
                         </a:rPr>
-                        <a:t>-Apoyar en la elaboración del </a:t>
-                      </a:r>
-                      <a:r>
-                        <a:rPr lang="es-PE" sz="800" dirty="0" err="1">
-                          <a:latin typeface="Times New Roman"/>
-                          <a:ea typeface="Times New Roman"/>
-                        </a:rPr>
-                        <a:t>modelamiento</a:t>
-                      </a:r>
-                      <a:r>
-                        <a:rPr lang="es-PE" sz="800" dirty="0">
-                          <a:latin typeface="Times New Roman"/>
-                          <a:ea typeface="Times New Roman"/>
-                        </a:rPr>
-                        <a:t> de proceso de negocio.</a:t>
+                        <a:t>-Brindar el soporte necesario a los integrantes del equipo del proyecto.</a:t>
                       </a:r>
                     </a:p>
                     <a:p>
-                      <a:pPr algn="just" fontAlgn="auto" hangingPunct="1">
+                      <a:pPr marL="0" marR="0" indent="0" algn="just" defTabSz="914400" rtl="0" eaLnBrk="1" fontAlgn="auto" latinLnBrk="0" hangingPunct="1">
+                        <a:lnSpc>
+                          <a:spcPct val="100000"/>
+                        </a:lnSpc>
+                        <a:spcBef>
+                          <a:spcPts val="0"/>
+                        </a:spcBef>
                         <a:spcAft>
                           <a:spcPts val="0"/>
                         </a:spcAft>
+                        <a:buClrTx/>
+                        <a:buSzTx/>
+                        <a:buFontTx/>
+                        <a:buNone/>
+                        <a:tabLst/>
+                        <a:defRPr/>
                       </a:pPr>
                       <a:r>
-                        <a:rPr lang="es-PE" sz="800" dirty="0">
-                          <a:latin typeface="Times New Roman"/>
-                          <a:ea typeface="Times New Roman"/>
-                        </a:rPr>
-                        <a:t>-Asegurar el involucramiento de la INSI en el desarrollo de cada uno de los entregables con componente informático.</a:t>
-                      </a:r>
-                    </a:p>
-                    <a:p>
-                      <a:pPr algn="just" fontAlgn="auto" hangingPunct="1">
-                        <a:spcAft>
-                          <a:spcPts val="0"/>
-                        </a:spcAft>
-                      </a:pPr>
-                      <a:r>
-                        <a:rPr lang="es-PE" sz="800" dirty="0">
+                        <a:rPr lang="es-PE" sz="800" dirty="0" smtClean="0">
                           <a:latin typeface="Times New Roman"/>
                           <a:ea typeface="Times New Roman"/>
                         </a:rPr>
@@ -8908,25 +9014,24 @@
                         </a:spcAft>
                       </a:pPr>
                       <a:r>
-                        <a:rPr lang="es-PE" sz="800" dirty="0">
-                          <a:latin typeface="Times New Roman"/>
-                          <a:ea typeface="Times New Roman"/>
-                        </a:rPr>
-                        <a:t>-Asegurar la incorporación de las actividades que permitan validar la calidad de los entregables informáticos (</a:t>
+                        <a:rPr lang="es-PE" sz="800" dirty="0" smtClean="0"/>
+                        <a:t>-Colaborar en la elaboración del</a:t>
                       </a:r>
                       <a:r>
-                        <a:rPr lang="es-PE" sz="800" dirty="0" err="1">
-                          <a:latin typeface="Times New Roman"/>
-                          <a:ea typeface="Times New Roman"/>
-                        </a:rPr>
-                        <a:t>modelamiento</a:t>
+                        <a:rPr lang="es-PE" sz="800" baseline="0" dirty="0" smtClean="0"/>
+                        <a:t> </a:t>
                       </a:r>
                       <a:r>
-                        <a:rPr lang="es-PE" sz="800" dirty="0">
-                          <a:latin typeface="Times New Roman"/>
-                          <a:ea typeface="Times New Roman"/>
-                        </a:rPr>
-                        <a:t> informático, construcción informática, certificación de calidad, etc.).</a:t>
+                        <a:rPr lang="es-PE" sz="800" dirty="0" smtClean="0"/>
+                        <a:t>informe de estado de proyecto,</a:t>
+                      </a:r>
+                      <a:r>
+                        <a:rPr lang="es-PE" sz="800" baseline="0" dirty="0" smtClean="0"/>
+                        <a:t> </a:t>
+                      </a:r>
+                      <a:r>
+                        <a:rPr lang="es-PE" sz="800" dirty="0" smtClean="0"/>
+                        <a:t>informes necesarios para las reuniones de Alta Dirección y del JP. </a:t>
                       </a:r>
                     </a:p>
                     <a:p>
@@ -8936,11 +9041,8 @@
                         </a:spcAft>
                       </a:pPr>
                       <a:r>
-                        <a:rPr lang="es-PE" sz="800" dirty="0">
-                          <a:latin typeface="Times New Roman"/>
-                          <a:ea typeface="Times New Roman"/>
-                        </a:rPr>
-                        <a:t>-Coordinar las pruebas necesarias para verificar que los entregables informáticos desarrollados cumplen los requisitos y especificaciones de análisis y diseño.</a:t>
+                        <a:rPr lang="es-PE" sz="800" dirty="0" smtClean="0"/>
+                        <a:t>-Colaborar en las labores de seguimiento, coordinación y control de las actividades del proyecto. </a:t>
                       </a:r>
                     </a:p>
                     <a:p>
@@ -8950,11 +9052,16 @@
                         </a:spcAft>
                       </a:pPr>
                       <a:r>
-                        <a:rPr lang="es-PE" sz="800" dirty="0">
-                          <a:latin typeface="Times New Roman"/>
-                          <a:ea typeface="Times New Roman"/>
-                        </a:rPr>
-                        <a:t>-Brindar información sobre el estado de los entregables del proyecto a su cargo.</a:t>
+                        <a:rPr lang="es-PE" sz="800" dirty="0" smtClean="0"/>
+                        <a:t>-Colaborar en la gestión de riesgos del proyecto</a:t>
+                      </a:r>
+                      <a:r>
+                        <a:rPr lang="es-PE" sz="800" baseline="0" dirty="0" smtClean="0"/>
+                        <a:t> e</a:t>
+                      </a:r>
+                      <a:r>
+                        <a:rPr lang="es-PE" sz="800" dirty="0" smtClean="0"/>
+                        <a:t> informe de cierre del proyecto. </a:t>
                       </a:r>
                     </a:p>
                     <a:p>
@@ -8964,12 +9071,16 @@
                         </a:spcAft>
                       </a:pPr>
                       <a:r>
-                        <a:rPr lang="es-PE" sz="800" dirty="0">
-                          <a:latin typeface="Times New Roman"/>
+                        <a:rPr lang="es-PE" sz="800" dirty="0" smtClean="0">
+                          <a:latin typeface="Arial"/>
                           <a:ea typeface="Times New Roman"/>
                         </a:rPr>
-                        <a:t>-Supervisar la ejecución de los entregables informáticos, conforme al cronograma establecido y, en su caso, gestionar los ajustes necesarios para su cumplimiento.</a:t>
+                        <a:t>-Captar las iniciativas de cambio de los Interesados y formalizarlas en Solicitudes de Cambio.</a:t>
                       </a:r>
+                      <a:endParaRPr lang="es-PE" sz="900" dirty="0" smtClean="0">
+                        <a:latin typeface="Times New Roman"/>
+                        <a:ea typeface="Times New Roman"/>
+                      </a:endParaRPr>
                     </a:p>
                     <a:p>
                       <a:pPr algn="just" fontAlgn="auto" hangingPunct="1">
@@ -8978,12 +9089,16 @@
                         </a:spcAft>
                       </a:pPr>
                       <a:r>
-                        <a:rPr lang="es-PE" sz="800" dirty="0">
-                          <a:latin typeface="Times New Roman"/>
+                        <a:rPr lang="es-PE" sz="800" dirty="0" smtClean="0">
+                          <a:latin typeface="Arial"/>
                           <a:ea typeface="Times New Roman"/>
                         </a:rPr>
-                        <a:t>-Promover y conducir las reuniones con el equipo de trabajo y con los usuarios y otros interesados para garantizar el avance de los entregables informáticos, así como elaborar las actas respectivas con los puntos tratados y los acuerdos concretados.</a:t>
+                        <a:t>-Evaluar impactos de las Solicitudes de Cambio y hacer recomendaciones.</a:t>
                       </a:r>
+                      <a:endParaRPr lang="es-PE" sz="900" dirty="0" smtClean="0">
+                        <a:latin typeface="Times New Roman"/>
+                        <a:ea typeface="Times New Roman"/>
+                      </a:endParaRPr>
                     </a:p>
                     <a:p>
                       <a:pPr algn="just" fontAlgn="auto" hangingPunct="1">
@@ -8991,90 +9106,10 @@
                           <a:spcPts val="0"/>
                         </a:spcAft>
                       </a:pPr>
-                      <a:r>
-                        <a:rPr lang="es-PE" sz="800" dirty="0">
-                          <a:latin typeface="Times New Roman"/>
-                          <a:ea typeface="Times New Roman"/>
-                        </a:rPr>
-                        <a:t>-Coordinar y supervisar que la documentación de las actividades realizadas en las fases de requisitos, de análisis y diseño, de construcción y de cierre esté completa y actualizada.</a:t>
-                      </a:r>
-                    </a:p>
-                    <a:p>
-                      <a:pPr algn="just" fontAlgn="auto" hangingPunct="1">
-                        <a:spcAft>
-                          <a:spcPts val="0"/>
-                        </a:spcAft>
-                      </a:pPr>
-                      <a:r>
-                        <a:rPr lang="es-PE" sz="800" dirty="0">
-                          <a:latin typeface="Times New Roman"/>
-                          <a:ea typeface="Times New Roman"/>
-                        </a:rPr>
-                        <a:t>-Promover y coordinar las reuniones con el equipo de trabajo y con el JP, DP y directivos de los órganos de línea, para verificar los avances y validar la información.</a:t>
-                      </a:r>
-                    </a:p>
-                    <a:p>
-                      <a:pPr algn="just" fontAlgn="auto" hangingPunct="1">
-                        <a:spcAft>
-                          <a:spcPts val="0"/>
-                        </a:spcAft>
-                      </a:pPr>
-                      <a:r>
-                        <a:rPr lang="es-PE" sz="800" dirty="0">
-                          <a:latin typeface="Times New Roman"/>
-                          <a:ea typeface="Times New Roman"/>
-                        </a:rPr>
-                        <a:t>-Efectuar el seguimiento de los entregables informáticos.</a:t>
-                      </a:r>
-                    </a:p>
-                    <a:p>
-                      <a:pPr algn="just" fontAlgn="auto" hangingPunct="1">
-                        <a:spcAft>
-                          <a:spcPts val="0"/>
-                        </a:spcAft>
-                      </a:pPr>
-                      <a:r>
-                        <a:rPr lang="es-PE" sz="800" dirty="0">
-                          <a:latin typeface="Times New Roman"/>
-                          <a:ea typeface="Times New Roman"/>
-                        </a:rPr>
-                        <a:t>-Apoyar en el análisis de impacto de las solicitudes de cambio.</a:t>
-                      </a:r>
-                    </a:p>
-                    <a:p>
-                      <a:pPr algn="just" fontAlgn="auto" hangingPunct="1">
-                        <a:spcAft>
-                          <a:spcPts val="0"/>
-                        </a:spcAft>
-                      </a:pPr>
-                      <a:r>
-                        <a:rPr lang="es-PE" sz="800" dirty="0">
-                          <a:latin typeface="Times New Roman"/>
-                          <a:ea typeface="Times New Roman"/>
-                        </a:rPr>
-                        <a:t>-Brindar el soporte necesario a los integrantes del equipo del proyecto.</a:t>
-                      </a:r>
-                    </a:p>
-                    <a:p>
-                      <a:pPr algn="just" fontAlgn="auto" hangingPunct="1">
-                        <a:spcAft>
-                          <a:spcPts val="0"/>
-                        </a:spcAft>
-                      </a:pPr>
-                      <a:r>
-                        <a:rPr lang="es-PE" sz="800" dirty="0">
-                          <a:latin typeface="Times New Roman"/>
-                          <a:ea typeface="Times New Roman"/>
-                        </a:rPr>
-                        <a:t>-Cumplir otras labores que le encomiende el JP que sean de carácter informático</a:t>
-                      </a:r>
-                      <a:r>
-                        <a:rPr lang="es-PE" sz="1000" dirty="0">
-                          <a:latin typeface="Times New Roman"/>
-                          <a:ea typeface="Times New Roman"/>
-                        </a:rPr>
-                        <a:t>.</a:t>
-                      </a:r>
+                      <a:endParaRPr lang="es-PE" sz="800" dirty="0" smtClean="0">
+                        <a:latin typeface="Times New Roman"/>
+                        <a:ea typeface="Times New Roman"/>
+                      </a:endParaRPr>
                     </a:p>
                   </a:txBody>
                   <a:tcPr marL="68580" marR="68580" marT="0" marB="0" anchor="ctr">
@@ -9160,35 +9195,35 @@
           <p:nvPr>
             <p:extLst>
               <p:ext uri="{D42A27DB-BD31-4B8C-83A1-F6EECF244321}">
-                <p14:modId xmlns:p14="http://schemas.microsoft.com/office/powerpoint/2010/main" val="1550207921"/>
+                <p14:modId xmlns:p14="http://schemas.microsoft.com/office/powerpoint/2010/main" val="2218105244"/>
               </p:ext>
             </p:extLst>
           </p:nvPr>
         </p:nvGraphicFramePr>
         <p:xfrm>
-          <a:off x="357157" y="714356"/>
-          <a:ext cx="8463314" cy="2785847"/>
+          <a:off x="539551" y="714356"/>
+          <a:ext cx="8280919" cy="3923472"/>
         </p:xfrm>
         <a:graphic>
           <a:graphicData uri="http://schemas.openxmlformats.org/drawingml/2006/table">
             <a:tbl>
               <a:tblPr/>
               <a:tblGrid>
-                <a:gridCol w="1025857">
+                <a:gridCol w="1003748">
                   <a:extLst>
                     <a:ext uri="{9D8B030D-6E8A-4147-A177-3AD203B41FA5}">
                       <a16:colId xmlns:a16="http://schemas.microsoft.com/office/drawing/2014/main" val="20000"/>
                     </a:ext>
                   </a:extLst>
                 </a:gridCol>
-                <a:gridCol w="2137200">
+                <a:gridCol w="2091141">
                   <a:extLst>
                     <a:ext uri="{9D8B030D-6E8A-4147-A177-3AD203B41FA5}">
                       <a16:colId xmlns:a16="http://schemas.microsoft.com/office/drawing/2014/main" val="20001"/>
                     </a:ext>
                   </a:extLst>
                 </a:gridCol>
-                <a:gridCol w="5300257">
+                <a:gridCol w="5186030">
                   <a:extLst>
                     <a:ext uri="{9D8B030D-6E8A-4147-A177-3AD203B41FA5}">
                       <a16:colId xmlns:a16="http://schemas.microsoft.com/office/drawing/2014/main" val="20002"/>
@@ -9672,16 +9707,12 @@
                         </a:spcAft>
                       </a:pPr>
                       <a:r>
-                        <a:rPr lang="es-PE" sz="900" dirty="0">
-                          <a:latin typeface="Arial"/>
+                        <a:rPr lang="es-PE" sz="900" dirty="0" smtClean="0">
+                          <a:latin typeface="Times New Roman"/>
                           <a:ea typeface="Times New Roman"/>
                         </a:rPr>
-                        <a:t>Captar las iniciativas de cambio de los Interesados y formalizarlas en Solicitudes de Cambio.</a:t>
+                        <a:t>-Apoyar en la elaboración del modelamiento de proceso de negocio.</a:t>
                       </a:r>
-                      <a:endParaRPr lang="es-PE" sz="1000" dirty="0">
-                        <a:latin typeface="Times New Roman"/>
-                        <a:ea typeface="Times New Roman"/>
-                      </a:endParaRPr>
                     </a:p>
                     <a:p>
                       <a:pPr algn="just" fontAlgn="auto" hangingPunct="1">
@@ -9690,16 +9721,12 @@
                         </a:spcAft>
                       </a:pPr>
                       <a:r>
-                        <a:rPr lang="es-PE" sz="900" dirty="0">
-                          <a:latin typeface="Arial"/>
+                        <a:rPr lang="es-PE" sz="900" dirty="0" smtClean="0">
+                          <a:latin typeface="Times New Roman"/>
                           <a:ea typeface="Times New Roman"/>
                         </a:rPr>
-                        <a:t>Evaluar impactos de las Solicitudes de Cambio y hacer recomendaciones.</a:t>
+                        <a:t>-Asegurar el involucramiento de la INSI en el desarrollo de cada uno de los entregables con componente informático.</a:t>
                       </a:r>
-                      <a:endParaRPr lang="es-PE" sz="1000" dirty="0">
-                        <a:latin typeface="Times New Roman"/>
-                        <a:ea typeface="Times New Roman"/>
-                      </a:endParaRPr>
                     </a:p>
                     <a:p>
                       <a:pPr algn="just" fontAlgn="auto" hangingPunct="1">
@@ -9708,16 +9735,12 @@
                         </a:spcAft>
                       </a:pPr>
                       <a:r>
-                        <a:rPr lang="es-PE" sz="900" dirty="0">
-                          <a:latin typeface="Arial"/>
+                        <a:rPr lang="es-PE" sz="900" dirty="0" smtClean="0">
+                          <a:latin typeface="Times New Roman"/>
                           <a:ea typeface="Times New Roman"/>
                         </a:rPr>
-                        <a:t>Aprobar Solicitudes de</a:t>
+                        <a:t>-Asegurar la incorporación de las actividades que permitan validar la calidad de los entregables informáticos (modelamiento informático, construcción informática, certificación de calidad, etc.).</a:t>
                       </a:r>
-                      <a:endParaRPr lang="es-PE" sz="1000" dirty="0">
-                        <a:latin typeface="Times New Roman"/>
-                        <a:ea typeface="Times New Roman"/>
-                      </a:endParaRPr>
                     </a:p>
                     <a:p>
                       <a:pPr algn="just" fontAlgn="auto" hangingPunct="1">
@@ -9726,13 +9749,146 @@
                         </a:spcAft>
                       </a:pPr>
                       <a:r>
-                        <a:rPr lang="es-PE" sz="900" dirty="0">
-                          <a:latin typeface="Arial"/>
+                        <a:rPr lang="es-PE" sz="900" dirty="0" smtClean="0">
+                          <a:latin typeface="Times New Roman"/>
                           <a:ea typeface="Times New Roman"/>
                         </a:rPr>
-                        <a:t>Cambio de Acciones Correctivas, Preventivas, y Reparación de Defectos.</a:t>
+                        <a:t>-Coordinar las pruebas necesarias para verificar que los entregables informáticos desarrollados cumplen los requisitos y especificaciones de análisis y diseño.</a:t>
                       </a:r>
-                      <a:endParaRPr lang="es-PE" sz="1000" dirty="0">
+                    </a:p>
+                    <a:p>
+                      <a:pPr algn="just" fontAlgn="auto" hangingPunct="1">
+                        <a:spcAft>
+                          <a:spcPts val="0"/>
+                        </a:spcAft>
+                      </a:pPr>
+                      <a:r>
+                        <a:rPr lang="es-PE" sz="900" dirty="0" smtClean="0">
+                          <a:latin typeface="Times New Roman"/>
+                          <a:ea typeface="Times New Roman"/>
+                        </a:rPr>
+                        <a:t>-Brindar información sobre el estado de los entregables del proyecto a su cargo.</a:t>
+                      </a:r>
+                    </a:p>
+                    <a:p>
+                      <a:pPr algn="just" fontAlgn="auto" hangingPunct="1">
+                        <a:spcAft>
+                          <a:spcPts val="0"/>
+                        </a:spcAft>
+                      </a:pPr>
+                      <a:r>
+                        <a:rPr lang="es-PE" sz="900" dirty="0" smtClean="0">
+                          <a:latin typeface="Times New Roman"/>
+                          <a:ea typeface="Times New Roman"/>
+                        </a:rPr>
+                        <a:t>-Supervisar la ejecución de los entregables informáticos, conforme al cronograma establecido y, en su caso, gestionar los ajustes necesarios para su cumplimiento.</a:t>
+                      </a:r>
+                    </a:p>
+                    <a:p>
+                      <a:pPr algn="just" fontAlgn="auto" hangingPunct="1">
+                        <a:spcAft>
+                          <a:spcPts val="0"/>
+                        </a:spcAft>
+                      </a:pPr>
+                      <a:r>
+                        <a:rPr lang="es-PE" sz="900" dirty="0" smtClean="0">
+                          <a:latin typeface="Times New Roman"/>
+                          <a:ea typeface="Times New Roman"/>
+                        </a:rPr>
+                        <a:t>-Promover y conducir las reuniones con el equipo de trabajo y con los usuarios y otros interesados para garantizar el avance de los entregables informáticos, así como elaborar las actas respectivas con los puntos tratados y los acuerdos concretados.</a:t>
+                      </a:r>
+                    </a:p>
+                    <a:p>
+                      <a:pPr algn="just" fontAlgn="auto" hangingPunct="1">
+                        <a:spcAft>
+                          <a:spcPts val="0"/>
+                        </a:spcAft>
+                      </a:pPr>
+                      <a:r>
+                        <a:rPr lang="es-PE" sz="900" dirty="0" smtClean="0">
+                          <a:latin typeface="Times New Roman"/>
+                          <a:ea typeface="Times New Roman"/>
+                        </a:rPr>
+                        <a:t>-Coordinar y supervisar que la documentación de las actividades realizadas en las fases de requisitos, de análisis y diseño, de construcción y de cierre esté completa y actualizada.</a:t>
+                      </a:r>
+                    </a:p>
+                    <a:p>
+                      <a:pPr algn="just" fontAlgn="auto" hangingPunct="1">
+                        <a:spcAft>
+                          <a:spcPts val="0"/>
+                        </a:spcAft>
+                      </a:pPr>
+                      <a:r>
+                        <a:rPr lang="es-PE" sz="900" dirty="0" smtClean="0">
+                          <a:latin typeface="Times New Roman"/>
+                          <a:ea typeface="Times New Roman"/>
+                        </a:rPr>
+                        <a:t>-Promover y coordinar las reuniones con el equipo de trabajo y con el JP</a:t>
+                      </a:r>
+                      <a:r>
+                        <a:rPr lang="es-PE" sz="900" baseline="0" dirty="0" smtClean="0">
+                          <a:latin typeface="Times New Roman"/>
+                          <a:ea typeface="Times New Roman"/>
+                        </a:rPr>
+                        <a:t> </a:t>
+                      </a:r>
+                      <a:r>
+                        <a:rPr lang="es-PE" sz="900" dirty="0" smtClean="0">
+                          <a:latin typeface="Times New Roman"/>
+                          <a:ea typeface="Times New Roman"/>
+                        </a:rPr>
+                        <a:t>y directivos de los órganos de línea, para verificar los avances y validar la información.</a:t>
+                      </a:r>
+                    </a:p>
+                    <a:p>
+                      <a:pPr algn="just" fontAlgn="auto" hangingPunct="1">
+                        <a:spcAft>
+                          <a:spcPts val="0"/>
+                        </a:spcAft>
+                      </a:pPr>
+                      <a:r>
+                        <a:rPr lang="es-PE" sz="900" dirty="0" smtClean="0">
+                          <a:latin typeface="Times New Roman"/>
+                          <a:ea typeface="Times New Roman"/>
+                        </a:rPr>
+                        <a:t>-Efectuar el seguimiento de los entregables informáticos.</a:t>
+                      </a:r>
+                    </a:p>
+                    <a:p>
+                      <a:pPr algn="just" fontAlgn="auto" hangingPunct="1">
+                        <a:spcAft>
+                          <a:spcPts val="0"/>
+                        </a:spcAft>
+                      </a:pPr>
+                      <a:r>
+                        <a:rPr lang="es-PE" sz="900" dirty="0" smtClean="0">
+                          <a:latin typeface="Times New Roman"/>
+                          <a:ea typeface="Times New Roman"/>
+                        </a:rPr>
+                        <a:t>-Apoyar en el análisis de impacto de las solicitudes de cambio.</a:t>
+                      </a:r>
+                    </a:p>
+                    <a:p>
+                      <a:pPr algn="just" fontAlgn="auto" hangingPunct="1">
+                        <a:spcAft>
+                          <a:spcPts val="0"/>
+                        </a:spcAft>
+                      </a:pPr>
+                      <a:r>
+                        <a:rPr lang="es-PE" sz="900" dirty="0" smtClean="0">
+                          <a:latin typeface="Times New Roman"/>
+                          <a:ea typeface="Times New Roman"/>
+                        </a:rPr>
+                        <a:t>-Cumplir otras labores que le encomiende el JP que sean de carácter informático</a:t>
+                      </a:r>
+                      <a:r>
+                        <a:rPr lang="es-PE" sz="1050" dirty="0" smtClean="0">
+                          <a:latin typeface="Times New Roman"/>
+                          <a:ea typeface="Times New Roman"/>
+                        </a:rPr>
+                        <a:t>.</a:t>
+                      </a:r>
+                      <a:endParaRPr lang="es-PE" sz="1050" dirty="0">
                         <a:latin typeface="Times New Roman"/>
                         <a:ea typeface="Times New Roman"/>
                       </a:endParaRPr>
@@ -9795,13 +9951,13 @@
                         </a:spcAft>
                       </a:pPr>
                       <a:r>
-                        <a:rPr lang="es-PE" sz="900">
+                        <a:rPr lang="es-PE" sz="900" dirty="0">
                           <a:latin typeface="Arial"/>
                           <a:ea typeface="Times New Roman"/>
                         </a:rPr>
                         <a:t>Interesados</a:t>
                       </a:r>
-                      <a:endParaRPr lang="es-PE" sz="1000">
+                      <a:endParaRPr lang="es-PE" sz="1000" dirty="0">
                         <a:latin typeface="Times New Roman"/>
                         <a:ea typeface="Times New Roman"/>
                       </a:endParaRPr>
